--- a/РВП/ЛР4/4 лаба отчет.pptx
+++ b/РВП/ЛР4/4 лаба отчет.pptx
@@ -2,7 +2,7 @@
 <file path=ppt/presentation.xml><?xml version="1.0" encoding="utf-8"?>
 <p:presentation xmlns:a="http://schemas.openxmlformats.org/drawingml/2006/main" xmlns:r="http://schemas.openxmlformats.org/officeDocument/2006/relationships" xmlns:p="http://schemas.openxmlformats.org/presentationml/2006/main" saveSubsetFonts="1">
   <p:sldMasterIdLst>
-    <p:sldMasterId id="2147483714" r:id="rId1"/>
+    <p:sldMasterId id="2147483726" r:id="rId1"/>
   </p:sldMasterIdLst>
   <p:sldIdLst>
     <p:sldId id="256" r:id="rId2"/>
@@ -122,14 +122,6 @@
 <file path=ppt/slideLayouts/slideLayout1.xml><?xml version="1.0" encoding="utf-8"?>
 <p:sldLayout xmlns:a="http://schemas.openxmlformats.org/drawingml/2006/main" xmlns:r="http://schemas.openxmlformats.org/officeDocument/2006/relationships" xmlns:p="http://schemas.openxmlformats.org/presentationml/2006/main" type="title" preserve="1">
   <p:cSld name="Титульный слайд">
-    <p:bg>
-      <p:bgPr>
-        <a:solidFill>
-          <a:schemeClr val="accent1"/>
-        </a:solidFill>
-        <a:effectLst/>
-      </p:bgPr>
-    </p:bg>
     <p:spTree>
       <p:nvGrpSpPr>
         <p:cNvPr id="1" name=""/>
@@ -146,141 +138,90 @@
       </p:grpSpPr>
       <p:sp>
         <p:nvSpPr>
-          <p:cNvPr id="4" name="Rectangle 3"/>
-          <p:cNvSpPr/>
-          <p:nvPr/>
+          <p:cNvPr id="2" name="Title 1"/>
+          <p:cNvSpPr>
+            <a:spLocks noGrp="1"/>
+          </p:cNvSpPr>
+          <p:nvPr>
+            <p:ph type="ctrTitle"/>
+          </p:nvPr>
         </p:nvSpPr>
         <p:spPr>
           <a:xfrm>
-            <a:off x="0" y="0"/>
-            <a:ext cx="12192000" cy="6858000"/>
+            <a:off x="1524000" y="1122363"/>
+            <a:ext cx="9144000" cy="2387600"/>
           </a:xfrm>
-          <a:prstGeom prst="rect">
-            <a:avLst/>
-          </a:prstGeom>
-          <a:ln>
-            <a:noFill/>
-          </a:ln>
         </p:spPr>
-        <p:style>
-          <a:lnRef idx="2">
-            <a:schemeClr val="accent1">
-              <a:shade val="50000"/>
-            </a:schemeClr>
-          </a:lnRef>
-          <a:fillRef idx="1">
-            <a:schemeClr val="accent1"/>
-          </a:fillRef>
-          <a:effectRef idx="0">
-            <a:schemeClr val="accent1"/>
-          </a:effectRef>
-          <a:fontRef idx="minor">
-            <a:schemeClr val="lt1"/>
-          </a:fontRef>
-        </p:style>
-      </p:sp>
-      <p:sp>
-        <p:nvSpPr>
-          <p:cNvPr id="2" name="Title 1"/>
-          <p:cNvSpPr>
-            <a:spLocks noGrp="1"/>
-          </p:cNvSpPr>
-          <p:nvPr>
-            <p:ph type="ctrTitle"/>
+        <p:txBody>
+          <a:bodyPr anchor="b"/>
+          <a:lstStyle>
+            <a:lvl1pPr algn="ctr">
+              <a:defRPr sz="6000"/>
+            </a:lvl1pPr>
+          </a:lstStyle>
+          <a:p>
+            <a:r>
+              <a:rPr lang="ru-RU"/>
+              <a:t>Образец заголовка</a:t>
+            </a:r>
+            <a:endParaRPr lang="en-US" dirty="0"/>
+          </a:p>
+        </p:txBody>
+      </p:sp>
+      <p:sp>
+        <p:nvSpPr>
+          <p:cNvPr id="3" name="Subtitle 2"/>
+          <p:cNvSpPr>
+            <a:spLocks noGrp="1"/>
+          </p:cNvSpPr>
+          <p:nvPr>
+            <p:ph type="subTitle" idx="1"/>
           </p:nvPr>
         </p:nvSpPr>
         <p:spPr>
           <a:xfrm>
-            <a:off x="603504" y="770467"/>
-            <a:ext cx="10782300" cy="3352800"/>
+            <a:off x="1524000" y="3602038"/>
+            <a:ext cx="9144000" cy="1655762"/>
           </a:xfrm>
         </p:spPr>
         <p:txBody>
-          <a:bodyPr anchor="b">
-            <a:noAutofit/>
-          </a:bodyPr>
+          <a:bodyPr/>
           <a:lstStyle>
-            <a:lvl1pPr algn="l">
-              <a:lnSpc>
-                <a:spcPct val="80000"/>
-              </a:lnSpc>
-              <a:defRPr sz="8800" spc="-120" baseline="0">
-                <a:solidFill>
-                  <a:srgbClr val="FFFFFF"/>
-                </a:solidFill>
-              </a:defRPr>
-            </a:lvl1pPr>
-          </a:lstStyle>
-          <a:p>
-            <a:r>
-              <a:rPr lang="ru-RU"/>
-              <a:t>Образец заголовка</a:t>
-            </a:r>
-            <a:endParaRPr lang="en-US" dirty="0"/>
-          </a:p>
-        </p:txBody>
-      </p:sp>
-      <p:sp>
-        <p:nvSpPr>
-          <p:cNvPr id="3" name="Subtitle 2"/>
-          <p:cNvSpPr>
-            <a:spLocks noGrp="1"/>
-          </p:cNvSpPr>
-          <p:nvPr>
-            <p:ph type="subTitle" idx="1"/>
-          </p:nvPr>
-        </p:nvSpPr>
-        <p:spPr>
-          <a:xfrm>
-            <a:off x="667512" y="4206876"/>
-            <a:ext cx="9228201" cy="1645920"/>
-          </a:xfrm>
-        </p:spPr>
-        <p:txBody>
-          <a:bodyPr>
-            <a:normAutofit/>
-          </a:bodyPr>
-          <a:lstStyle>
-            <a:lvl1pPr marL="0" indent="0" algn="l">
-              <a:buNone/>
-              <a:defRPr sz="3200">
-                <a:solidFill>
-                  <a:srgbClr val="262626"/>
-                </a:solidFill>
-                <a:latin typeface="+mj-lt"/>
-              </a:defRPr>
+            <a:lvl1pPr marL="0" indent="0" algn="ctr">
+              <a:buNone/>
+              <a:defRPr sz="2400"/>
             </a:lvl1pPr>
             <a:lvl2pPr marL="457200" indent="0" algn="ctr">
               <a:buNone/>
-              <a:defRPr sz="2800"/>
+              <a:defRPr sz="2000"/>
             </a:lvl2pPr>
             <a:lvl3pPr marL="914400" indent="0" algn="ctr">
               <a:buNone/>
-              <a:defRPr sz="2400"/>
+              <a:defRPr sz="1800"/>
             </a:lvl3pPr>
             <a:lvl4pPr marL="1371600" indent="0" algn="ctr">
               <a:buNone/>
-              <a:defRPr sz="2000"/>
+              <a:defRPr sz="1600"/>
             </a:lvl4pPr>
             <a:lvl5pPr marL="1828800" indent="0" algn="ctr">
               <a:buNone/>
-              <a:defRPr sz="2000"/>
+              <a:defRPr sz="1600"/>
             </a:lvl5pPr>
             <a:lvl6pPr marL="2286000" indent="0" algn="ctr">
               <a:buNone/>
-              <a:defRPr sz="2000"/>
+              <a:defRPr sz="1600"/>
             </a:lvl6pPr>
             <a:lvl7pPr marL="2743200" indent="0" algn="ctr">
               <a:buNone/>
-              <a:defRPr sz="2000"/>
+              <a:defRPr sz="1600"/>
             </a:lvl7pPr>
             <a:lvl8pPr marL="3200400" indent="0" algn="ctr">
               <a:buNone/>
-              <a:defRPr sz="2000"/>
+              <a:defRPr sz="1600"/>
             </a:lvl8pPr>
             <a:lvl9pPr marL="3657600" indent="0" algn="ctr">
               <a:buNone/>
-              <a:defRPr sz="2000"/>
+              <a:defRPr sz="1600"/>
             </a:lvl9pPr>
           </a:lstStyle>
           <a:p>
@@ -294,7 +235,7 @@
       </p:sp>
       <p:sp>
         <p:nvSpPr>
-          <p:cNvPr id="7" name="Date Placeholder 6"/>
+          <p:cNvPr id="4" name="Date Placeholder 3"/>
           <p:cNvSpPr>
             <a:spLocks noGrp="1"/>
           </p:cNvSpPr>
@@ -305,21 +246,11 @@
         <p:spPr/>
         <p:txBody>
           <a:bodyPr/>
-          <a:lstStyle>
-            <a:lvl1pPr>
-              <a:defRPr>
-                <a:solidFill>
-                  <a:srgbClr val="FFFFFF">
-                    <a:alpha val="80000"/>
-                  </a:srgbClr>
-                </a:solidFill>
-              </a:defRPr>
-            </a:lvl1pPr>
-          </a:lstStyle>
+          <a:lstStyle/>
           <a:p>
             <a:fld id="{58D606F0-41E0-4792-8AF0-C438DCB05F4D}" type="datetimeFigureOut">
               <a:rPr lang="ru-RU" smtClean="0"/>
-              <a:t>05.09.2025</a:t>
+              <a:t>11.12.2025</a:t>
             </a:fld>
             <a:endParaRPr lang="ru-RU"/>
           </a:p>
@@ -327,7 +258,7 @@
       </p:sp>
       <p:sp>
         <p:nvSpPr>
-          <p:cNvPr id="8" name="Footer Placeholder 7"/>
+          <p:cNvPr id="5" name="Footer Placeholder 4"/>
           <p:cNvSpPr>
             <a:spLocks noGrp="1"/>
           </p:cNvSpPr>
@@ -338,17 +269,7 @@
         <p:spPr/>
         <p:txBody>
           <a:bodyPr/>
-          <a:lstStyle>
-            <a:lvl1pPr>
-              <a:defRPr>
-                <a:solidFill>
-                  <a:srgbClr val="FFFFFF">
-                    <a:alpha val="80000"/>
-                  </a:srgbClr>
-                </a:solidFill>
-              </a:defRPr>
-            </a:lvl1pPr>
-          </a:lstStyle>
+          <a:lstStyle/>
           <a:p>
             <a:endParaRPr lang="ru-RU"/>
           </a:p>
@@ -356,7 +277,7 @@
       </p:sp>
       <p:sp>
         <p:nvSpPr>
-          <p:cNvPr id="9" name="Slide Number Placeholder 8"/>
+          <p:cNvPr id="6" name="Slide Number Placeholder 5"/>
           <p:cNvSpPr>
             <a:spLocks noGrp="1"/>
           </p:cNvSpPr>
@@ -367,17 +288,7 @@
         <p:spPr/>
         <p:txBody>
           <a:bodyPr/>
-          <a:lstStyle>
-            <a:lvl1pPr>
-              <a:defRPr>
-                <a:solidFill>
-                  <a:srgbClr val="FFFFFF">
-                    <a:alpha val="25000"/>
-                  </a:srgbClr>
-                </a:solidFill>
-              </a:defRPr>
-            </a:lvl1pPr>
-          </a:lstStyle>
+          <a:lstStyle/>
           <a:p>
             <a:fld id="{949173B1-EC1E-423B-8025-08A795D3FA83}" type="slidenum">
               <a:rPr lang="ru-RU" smtClean="0"/>
@@ -390,7 +301,7 @@
     </p:spTree>
     <p:extLst>
       <p:ext uri="{BB962C8B-B14F-4D97-AF65-F5344CB8AC3E}">
-        <p14:creationId xmlns:p14="http://schemas.microsoft.com/office/powerpoint/2010/main" val="3687113161"/>
+        <p14:creationId xmlns:p14="http://schemas.microsoft.com/office/powerpoint/2010/main" val="2673013335"/>
       </p:ext>
     </p:extLst>
   </p:cSld>
@@ -509,7 +420,7 @@
           <a:p>
             <a:fld id="{58D606F0-41E0-4792-8AF0-C438DCB05F4D}" type="datetimeFigureOut">
               <a:rPr lang="ru-RU" smtClean="0"/>
-              <a:t>05.09.2025</a:t>
+              <a:t>11.12.2025</a:t>
             </a:fld>
             <a:endParaRPr lang="ru-RU"/>
           </a:p>
@@ -560,7 +471,7 @@
     </p:spTree>
     <p:extLst>
       <p:ext uri="{BB962C8B-B14F-4D97-AF65-F5344CB8AC3E}">
-        <p14:creationId xmlns:p14="http://schemas.microsoft.com/office/powerpoint/2010/main" val="2789927724"/>
+        <p14:creationId xmlns:p14="http://schemas.microsoft.com/office/powerpoint/2010/main" val="993724528"/>
       </p:ext>
     </p:extLst>
   </p:cSld>
@@ -599,8 +510,8 @@
         </p:nvSpPr>
         <p:spPr>
           <a:xfrm>
-            <a:off x="8743950" y="695325"/>
-            <a:ext cx="2628900" cy="4800600"/>
+            <a:off x="8724900" y="365125"/>
+            <a:ext cx="2628900" cy="5811838"/>
           </a:xfrm>
         </p:spPr>
         <p:txBody>
@@ -627,8 +538,8 @@
         </p:nvSpPr>
         <p:spPr>
           <a:xfrm>
-            <a:off x="771525" y="714375"/>
-            <a:ext cx="7734300" cy="5400675"/>
+            <a:off x="838200" y="365125"/>
+            <a:ext cx="7734300" cy="5811838"/>
           </a:xfrm>
         </p:spPr>
         <p:txBody>
@@ -689,7 +600,7 @@
           <a:p>
             <a:fld id="{58D606F0-41E0-4792-8AF0-C438DCB05F4D}" type="datetimeFigureOut">
               <a:rPr lang="ru-RU" smtClean="0"/>
-              <a:t>05.09.2025</a:t>
+              <a:t>11.12.2025</a:t>
             </a:fld>
             <a:endParaRPr lang="ru-RU"/>
           </a:p>
@@ -740,7 +651,7 @@
     </p:spTree>
     <p:extLst>
       <p:ext uri="{BB962C8B-B14F-4D97-AF65-F5344CB8AC3E}">
-        <p14:creationId xmlns:p14="http://schemas.microsoft.com/office/powerpoint/2010/main" val="3204441034"/>
+        <p14:creationId xmlns:p14="http://schemas.microsoft.com/office/powerpoint/2010/main" val="628953998"/>
       </p:ext>
     </p:extLst>
   </p:cSld>
@@ -859,7 +770,7 @@
           <a:p>
             <a:fld id="{58D606F0-41E0-4792-8AF0-C438DCB05F4D}" type="datetimeFigureOut">
               <a:rPr lang="ru-RU" smtClean="0"/>
-              <a:t>05.09.2025</a:t>
+              <a:t>11.12.2025</a:t>
             </a:fld>
             <a:endParaRPr lang="ru-RU"/>
           </a:p>
@@ -910,7 +821,7 @@
     </p:spTree>
     <p:extLst>
       <p:ext uri="{BB962C8B-B14F-4D97-AF65-F5344CB8AC3E}">
-        <p14:creationId xmlns:p14="http://schemas.microsoft.com/office/powerpoint/2010/main" val="1711832847"/>
+        <p14:creationId xmlns:p14="http://schemas.microsoft.com/office/powerpoint/2010/main" val="3403696256"/>
       </p:ext>
     </p:extLst>
   </p:cSld>
@@ -949,68 +860,58 @@
         </p:nvSpPr>
         <p:spPr>
           <a:xfrm>
-            <a:off x="603504" y="767419"/>
-            <a:ext cx="10780776" cy="3355848"/>
+            <a:off x="831850" y="1709738"/>
+            <a:ext cx="10515600" cy="2852737"/>
           </a:xfrm>
         </p:spPr>
         <p:txBody>
-          <a:bodyPr anchor="b">
-            <a:normAutofit/>
-          </a:bodyPr>
+          <a:bodyPr anchor="b"/>
           <a:lstStyle>
             <a:lvl1pPr>
-              <a:lnSpc>
-                <a:spcPct val="80000"/>
-              </a:lnSpc>
-              <a:defRPr sz="8800" b="0" baseline="0">
+              <a:defRPr sz="6000"/>
+            </a:lvl1pPr>
+          </a:lstStyle>
+          <a:p>
+            <a:r>
+              <a:rPr lang="ru-RU"/>
+              <a:t>Образец заголовка</a:t>
+            </a:r>
+            <a:endParaRPr lang="en-US" dirty="0"/>
+          </a:p>
+        </p:txBody>
+      </p:sp>
+      <p:sp>
+        <p:nvSpPr>
+          <p:cNvPr id="3" name="Text Placeholder 2"/>
+          <p:cNvSpPr>
+            <a:spLocks noGrp="1"/>
+          </p:cNvSpPr>
+          <p:nvPr>
+            <p:ph type="body" idx="1"/>
+          </p:nvPr>
+        </p:nvSpPr>
+        <p:spPr>
+          <a:xfrm>
+            <a:off x="831850" y="4589463"/>
+            <a:ext cx="10515600" cy="1500187"/>
+          </a:xfrm>
+        </p:spPr>
+        <p:txBody>
+          <a:bodyPr/>
+          <a:lstStyle>
+            <a:lvl1pPr marL="0" indent="0">
+              <a:buNone/>
+              <a:defRPr sz="2400">
                 <a:solidFill>
-                  <a:schemeClr val="accent1"/>
+                  <a:schemeClr val="tx1">
+                    <a:tint val="75000"/>
+                  </a:schemeClr>
                 </a:solidFill>
               </a:defRPr>
             </a:lvl1pPr>
-          </a:lstStyle>
-          <a:p>
-            <a:r>
-              <a:rPr lang="ru-RU"/>
-              <a:t>Образец заголовка</a:t>
-            </a:r>
-            <a:endParaRPr lang="en-US" dirty="0"/>
-          </a:p>
-        </p:txBody>
-      </p:sp>
-      <p:sp>
-        <p:nvSpPr>
-          <p:cNvPr id="3" name="Text Placeholder 2"/>
-          <p:cNvSpPr>
-            <a:spLocks noGrp="1"/>
-          </p:cNvSpPr>
-          <p:nvPr>
-            <p:ph type="body" idx="1"/>
-          </p:nvPr>
-        </p:nvSpPr>
-        <p:spPr>
-          <a:xfrm>
-            <a:off x="667512" y="4204209"/>
-            <a:ext cx="9226296" cy="1645920"/>
-          </a:xfrm>
-        </p:spPr>
-        <p:txBody>
-          <a:bodyPr anchor="t">
-            <a:normAutofit/>
-          </a:bodyPr>
-          <a:lstStyle>
-            <a:lvl1pPr marL="0" indent="0">
-              <a:buNone/>
-              <a:defRPr sz="3200">
-                <a:solidFill>
-                  <a:schemeClr val="tx1"/>
-                </a:solidFill>
-                <a:latin typeface="+mj-lt"/>
-              </a:defRPr>
-            </a:lvl1pPr>
             <a:lvl2pPr marL="457200" indent="0">
               <a:buNone/>
-              <a:defRPr sz="1800">
+              <a:defRPr sz="2000">
                 <a:solidFill>
                   <a:schemeClr val="tx1">
                     <a:tint val="75000"/>
@@ -1020,7 +921,7 @@
             </a:lvl2pPr>
             <a:lvl3pPr marL="914400" indent="0">
               <a:buNone/>
-              <a:defRPr sz="1600">
+              <a:defRPr sz="1800">
                 <a:solidFill>
                   <a:schemeClr val="tx1">
                     <a:tint val="75000"/>
@@ -1030,7 +931,7 @@
             </a:lvl3pPr>
             <a:lvl4pPr marL="1371600" indent="0">
               <a:buNone/>
-              <a:defRPr sz="1400">
+              <a:defRPr sz="1600">
                 <a:solidFill>
                   <a:schemeClr val="tx1">
                     <a:tint val="75000"/>
@@ -1040,7 +941,7 @@
             </a:lvl4pPr>
             <a:lvl5pPr marL="1828800" indent="0">
               <a:buNone/>
-              <a:defRPr sz="1400">
+              <a:defRPr sz="1600">
                 <a:solidFill>
                   <a:schemeClr val="tx1">
                     <a:tint val="75000"/>
@@ -1050,7 +951,7 @@
             </a:lvl5pPr>
             <a:lvl6pPr marL="2286000" indent="0">
               <a:buNone/>
-              <a:defRPr sz="1400">
+              <a:defRPr sz="1600">
                 <a:solidFill>
                   <a:schemeClr val="tx1">
                     <a:tint val="75000"/>
@@ -1060,7 +961,7 @@
             </a:lvl6pPr>
             <a:lvl7pPr marL="2743200" indent="0">
               <a:buNone/>
-              <a:defRPr sz="1400">
+              <a:defRPr sz="1600">
                 <a:solidFill>
                   <a:schemeClr val="tx1">
                     <a:tint val="75000"/>
@@ -1070,7 +971,7 @@
             </a:lvl7pPr>
             <a:lvl8pPr marL="3200400" indent="0">
               <a:buNone/>
-              <a:defRPr sz="1400">
+              <a:defRPr sz="1600">
                 <a:solidFill>
                   <a:schemeClr val="tx1">
                     <a:tint val="75000"/>
@@ -1080,7 +981,7 @@
             </a:lvl8pPr>
             <a:lvl9pPr marL="3657600" indent="0">
               <a:buNone/>
-              <a:defRPr sz="1400">
+              <a:defRPr sz="1600">
                 <a:solidFill>
                   <a:schemeClr val="tx1">
                     <a:tint val="75000"/>
@@ -1115,7 +1016,7 @@
           <a:p>
             <a:fld id="{58D606F0-41E0-4792-8AF0-C438DCB05F4D}" type="datetimeFigureOut">
               <a:rPr lang="ru-RU" smtClean="0"/>
-              <a:t>05.09.2025</a:t>
+              <a:t>11.12.2025</a:t>
             </a:fld>
             <a:endParaRPr lang="ru-RU"/>
           </a:p>
@@ -1166,7 +1067,7 @@
     </p:spTree>
     <p:extLst>
       <p:ext uri="{BB962C8B-B14F-4D97-AF65-F5344CB8AC3E}">
-        <p14:creationId xmlns:p14="http://schemas.microsoft.com/office/powerpoint/2010/main" val="3493532661"/>
+        <p14:creationId xmlns:p14="http://schemas.microsoft.com/office/powerpoint/2010/main" val="3044807"/>
       </p:ext>
     </p:extLst>
   </p:cSld>
@@ -1228,41 +1129,13 @@
         </p:nvSpPr>
         <p:spPr>
           <a:xfrm>
-            <a:off x="676656" y="1998134"/>
-            <a:ext cx="4663440" cy="3767328"/>
+            <a:off x="838200" y="1825625"/>
+            <a:ext cx="5181600" cy="4351338"/>
           </a:xfrm>
         </p:spPr>
         <p:txBody>
           <a:bodyPr/>
-          <a:lstStyle>
-            <a:lvl1pPr>
-              <a:defRPr sz="2400"/>
-            </a:lvl1pPr>
-            <a:lvl2pPr>
-              <a:defRPr sz="2000"/>
-            </a:lvl2pPr>
-            <a:lvl3pPr>
-              <a:defRPr sz="1800"/>
-            </a:lvl3pPr>
-            <a:lvl4pPr>
-              <a:defRPr sz="1600"/>
-            </a:lvl4pPr>
-            <a:lvl5pPr>
-              <a:defRPr sz="1600"/>
-            </a:lvl5pPr>
-            <a:lvl6pPr>
-              <a:defRPr sz="1600"/>
-            </a:lvl6pPr>
-            <a:lvl7pPr>
-              <a:defRPr sz="1600"/>
-            </a:lvl7pPr>
-            <a:lvl8pPr>
-              <a:defRPr sz="1600"/>
-            </a:lvl8pPr>
-            <a:lvl9pPr>
-              <a:defRPr sz="1600"/>
-            </a:lvl9pPr>
-          </a:lstStyle>
+          <a:lstStyle/>
           <a:p>
             <a:pPr lvl="0"/>
             <a:r>
@@ -1313,41 +1186,13 @@
         </p:nvSpPr>
         <p:spPr>
           <a:xfrm>
-            <a:off x="6011330" y="1998134"/>
-            <a:ext cx="4663440" cy="3767328"/>
+            <a:off x="6172200" y="1825625"/>
+            <a:ext cx="5181600" cy="4351338"/>
           </a:xfrm>
         </p:spPr>
         <p:txBody>
           <a:bodyPr/>
-          <a:lstStyle>
-            <a:lvl1pPr>
-              <a:defRPr sz="2400"/>
-            </a:lvl1pPr>
-            <a:lvl2pPr>
-              <a:defRPr sz="2000"/>
-            </a:lvl2pPr>
-            <a:lvl3pPr>
-              <a:defRPr sz="1800"/>
-            </a:lvl3pPr>
-            <a:lvl4pPr>
-              <a:defRPr sz="1600"/>
-            </a:lvl4pPr>
-            <a:lvl5pPr>
-              <a:defRPr sz="1600"/>
-            </a:lvl5pPr>
-            <a:lvl6pPr>
-              <a:defRPr sz="1600"/>
-            </a:lvl6pPr>
-            <a:lvl7pPr>
-              <a:defRPr sz="1600"/>
-            </a:lvl7pPr>
-            <a:lvl8pPr>
-              <a:defRPr sz="1600"/>
-            </a:lvl8pPr>
-            <a:lvl9pPr>
-              <a:defRPr sz="1600"/>
-            </a:lvl9pPr>
-          </a:lstStyle>
+          <a:lstStyle/>
           <a:p>
             <a:pPr lvl="0"/>
             <a:r>
@@ -1403,7 +1248,7 @@
           <a:p>
             <a:fld id="{58D606F0-41E0-4792-8AF0-C438DCB05F4D}" type="datetimeFigureOut">
               <a:rPr lang="ru-RU" smtClean="0"/>
-              <a:t>05.09.2025</a:t>
+              <a:t>11.12.2025</a:t>
             </a:fld>
             <a:endParaRPr lang="ru-RU"/>
           </a:p>
@@ -1454,7 +1299,7 @@
     </p:spTree>
     <p:extLst>
       <p:ext uri="{BB962C8B-B14F-4D97-AF65-F5344CB8AC3E}">
-        <p14:creationId xmlns:p14="http://schemas.microsoft.com/office/powerpoint/2010/main" val="2373783374"/>
+        <p14:creationId xmlns:p14="http://schemas.microsoft.com/office/powerpoint/2010/main" val="3633632581"/>
       </p:ext>
     </p:extLst>
   </p:cSld>
@@ -1483,59 +1328,54 @@
       </p:grpSpPr>
       <p:sp>
         <p:nvSpPr>
-          <p:cNvPr id="10" name="Title 9"/>
+          <p:cNvPr id="2" name="Title 1"/>
           <p:cNvSpPr>
             <a:spLocks noGrp="1"/>
           </p:cNvSpPr>
           <p:nvPr>
             <p:ph type="title"/>
-          </p:nvPr>
-        </p:nvSpPr>
-        <p:spPr/>
-        <p:txBody>
-          <a:bodyPr/>
-          <a:lstStyle/>
-          <a:p>
-            <a:r>
-              <a:rPr lang="ru-RU"/>
-              <a:t>Образец заголовка</a:t>
-            </a:r>
-            <a:endParaRPr lang="en-US" dirty="0"/>
-          </a:p>
-        </p:txBody>
-      </p:sp>
-      <p:sp>
-        <p:nvSpPr>
-          <p:cNvPr id="3" name="Text Placeholder 2"/>
-          <p:cNvSpPr>
-            <a:spLocks noGrp="1"/>
-          </p:cNvSpPr>
-          <p:nvPr>
-            <p:ph type="body" idx="1"/>
           </p:nvPr>
         </p:nvSpPr>
         <p:spPr>
           <a:xfrm>
-            <a:off x="676656" y="2040467"/>
-            <a:ext cx="4663440" cy="723400"/>
+            <a:off x="839788" y="365125"/>
+            <a:ext cx="10515600" cy="1325563"/>
           </a:xfrm>
         </p:spPr>
         <p:txBody>
-          <a:bodyPr anchor="ctr">
-            <a:normAutofit/>
-          </a:bodyPr>
+          <a:bodyPr/>
+          <a:lstStyle/>
+          <a:p>
+            <a:r>
+              <a:rPr lang="ru-RU"/>
+              <a:t>Образец заголовка</a:t>
+            </a:r>
+            <a:endParaRPr lang="en-US" dirty="0"/>
+          </a:p>
+        </p:txBody>
+      </p:sp>
+      <p:sp>
+        <p:nvSpPr>
+          <p:cNvPr id="3" name="Text Placeholder 2"/>
+          <p:cNvSpPr>
+            <a:spLocks noGrp="1"/>
+          </p:cNvSpPr>
+          <p:nvPr>
+            <p:ph type="body" idx="1"/>
+          </p:nvPr>
+        </p:nvSpPr>
+        <p:spPr>
+          <a:xfrm>
+            <a:off x="839788" y="1681163"/>
+            <a:ext cx="5157787" cy="823912"/>
+          </a:xfrm>
+        </p:spPr>
+        <p:txBody>
+          <a:bodyPr anchor="b"/>
           <a:lstStyle>
             <a:lvl1pPr marL="0" indent="0">
               <a:buNone/>
-              <a:defRPr sz="2200" b="0" cap="all" baseline="0">
-                <a:solidFill>
-                  <a:schemeClr val="tx1">
-                    <a:lumMod val="85000"/>
-                    <a:lumOff val="15000"/>
-                  </a:schemeClr>
-                </a:solidFill>
-                <a:latin typeface="+mj-lt"/>
-              </a:defRPr>
+              <a:defRPr sz="2400" b="1"/>
             </a:lvl1pPr>
             <a:lvl2pPr marL="457200" indent="0">
               <a:buNone/>
@@ -1591,41 +1431,13 @@
         </p:nvSpPr>
         <p:spPr>
           <a:xfrm>
-            <a:off x="676656" y="2753084"/>
-            <a:ext cx="4663440" cy="3200400"/>
+            <a:off x="839788" y="2505075"/>
+            <a:ext cx="5157787" cy="3684588"/>
           </a:xfrm>
         </p:spPr>
         <p:txBody>
           <a:bodyPr/>
-          <a:lstStyle>
-            <a:lvl1pPr>
-              <a:defRPr sz="2400"/>
-            </a:lvl1pPr>
-            <a:lvl2pPr>
-              <a:defRPr sz="2000"/>
-            </a:lvl2pPr>
-            <a:lvl3pPr>
-              <a:defRPr sz="1800"/>
-            </a:lvl3pPr>
-            <a:lvl4pPr>
-              <a:defRPr sz="1600"/>
-            </a:lvl4pPr>
-            <a:lvl5pPr>
-              <a:defRPr sz="1600"/>
-            </a:lvl5pPr>
-            <a:lvl6pPr>
-              <a:defRPr sz="1600"/>
-            </a:lvl6pPr>
-            <a:lvl7pPr>
-              <a:defRPr sz="1600"/>
-            </a:lvl7pPr>
-            <a:lvl8pPr>
-              <a:defRPr sz="1600"/>
-            </a:lvl8pPr>
-            <a:lvl9pPr>
-              <a:defRPr sz="1600"/>
-            </a:lvl9pPr>
-          </a:lstStyle>
+          <a:lstStyle/>
           <a:p>
             <a:pPr lvl="0"/>
             <a:r>
@@ -1676,26 +1488,16 @@
         </p:nvSpPr>
         <p:spPr>
           <a:xfrm>
-            <a:off x="6007608" y="2038435"/>
-            <a:ext cx="4663440" cy="722376"/>
+            <a:off x="6172200" y="1681163"/>
+            <a:ext cx="5183188" cy="823912"/>
           </a:xfrm>
         </p:spPr>
         <p:txBody>
-          <a:bodyPr anchor="ctr">
-            <a:normAutofit/>
-          </a:bodyPr>
+          <a:bodyPr anchor="b"/>
           <a:lstStyle>
             <a:lvl1pPr marL="0" indent="0">
               <a:buNone/>
-              <a:defRPr sz="2200" b="0" cap="all" baseline="0">
-                <a:solidFill>
-                  <a:schemeClr val="tx1">
-                    <a:lumMod val="85000"/>
-                    <a:lumOff val="15000"/>
-                  </a:schemeClr>
-                </a:solidFill>
-                <a:latin typeface="+mj-lt"/>
-              </a:defRPr>
+              <a:defRPr sz="2400" b="1"/>
             </a:lvl1pPr>
             <a:lvl2pPr marL="457200" indent="0">
               <a:buNone/>
@@ -1751,41 +1553,13 @@
         </p:nvSpPr>
         <p:spPr>
           <a:xfrm>
-            <a:off x="6007608" y="2750990"/>
-            <a:ext cx="4663440" cy="3200400"/>
+            <a:off x="6172200" y="2505075"/>
+            <a:ext cx="5183188" cy="3684588"/>
           </a:xfrm>
         </p:spPr>
         <p:txBody>
           <a:bodyPr/>
-          <a:lstStyle>
-            <a:lvl1pPr>
-              <a:defRPr sz="2400"/>
-            </a:lvl1pPr>
-            <a:lvl2pPr>
-              <a:defRPr sz="2000"/>
-            </a:lvl2pPr>
-            <a:lvl3pPr>
-              <a:defRPr sz="1800"/>
-            </a:lvl3pPr>
-            <a:lvl4pPr>
-              <a:defRPr sz="1600"/>
-            </a:lvl4pPr>
-            <a:lvl5pPr>
-              <a:defRPr sz="1600"/>
-            </a:lvl5pPr>
-            <a:lvl6pPr>
-              <a:defRPr sz="1600"/>
-            </a:lvl6pPr>
-            <a:lvl7pPr>
-              <a:defRPr sz="1600"/>
-            </a:lvl7pPr>
-            <a:lvl8pPr>
-              <a:defRPr sz="1600"/>
-            </a:lvl8pPr>
-            <a:lvl9pPr>
-              <a:defRPr sz="1600"/>
-            </a:lvl9pPr>
-          </a:lstStyle>
+          <a:lstStyle/>
           <a:p>
             <a:pPr lvl="0"/>
             <a:r>
@@ -1841,7 +1615,7 @@
           <a:p>
             <a:fld id="{58D606F0-41E0-4792-8AF0-C438DCB05F4D}" type="datetimeFigureOut">
               <a:rPr lang="ru-RU" smtClean="0"/>
-              <a:t>05.09.2025</a:t>
+              <a:t>11.12.2025</a:t>
             </a:fld>
             <a:endParaRPr lang="ru-RU"/>
           </a:p>
@@ -1892,7 +1666,7 @@
     </p:spTree>
     <p:extLst>
       <p:ext uri="{BB962C8B-B14F-4D97-AF65-F5344CB8AC3E}">
-        <p14:creationId xmlns:p14="http://schemas.microsoft.com/office/powerpoint/2010/main" val="4050390841"/>
+        <p14:creationId xmlns:p14="http://schemas.microsoft.com/office/powerpoint/2010/main" val="3944689160"/>
       </p:ext>
     </p:extLst>
   </p:cSld>
@@ -1921,7 +1695,7 @@
       </p:grpSpPr>
       <p:sp>
         <p:nvSpPr>
-          <p:cNvPr id="6" name="Title 5"/>
+          <p:cNvPr id="2" name="Title 1"/>
           <p:cNvSpPr>
             <a:spLocks noGrp="1"/>
           </p:cNvSpPr>
@@ -1959,7 +1733,7 @@
           <a:p>
             <a:fld id="{58D606F0-41E0-4792-8AF0-C438DCB05F4D}" type="datetimeFigureOut">
               <a:rPr lang="ru-RU" smtClean="0"/>
-              <a:t>05.09.2025</a:t>
+              <a:t>11.12.2025</a:t>
             </a:fld>
             <a:endParaRPr lang="ru-RU"/>
           </a:p>
@@ -2010,7 +1784,7 @@
     </p:spTree>
     <p:extLst>
       <p:ext uri="{BB962C8B-B14F-4D97-AF65-F5344CB8AC3E}">
-        <p14:creationId xmlns:p14="http://schemas.microsoft.com/office/powerpoint/2010/main" val="3694116152"/>
+        <p14:creationId xmlns:p14="http://schemas.microsoft.com/office/powerpoint/2010/main" val="1848167473"/>
       </p:ext>
     </p:extLst>
   </p:cSld>
@@ -2054,7 +1828,7 @@
           <a:p>
             <a:fld id="{58D606F0-41E0-4792-8AF0-C438DCB05F4D}" type="datetimeFigureOut">
               <a:rPr lang="ru-RU" smtClean="0"/>
-              <a:t>05.09.2025</a:t>
+              <a:t>11.12.2025</a:t>
             </a:fld>
             <a:endParaRPr lang="ru-RU"/>
           </a:p>
@@ -2105,7 +1879,7 @@
     </p:spTree>
     <p:extLst>
       <p:ext uri="{BB962C8B-B14F-4D97-AF65-F5344CB8AC3E}">
-        <p14:creationId xmlns:p14="http://schemas.microsoft.com/office/powerpoint/2010/main" val="628782181"/>
+        <p14:creationId xmlns:p14="http://schemas.microsoft.com/office/powerpoint/2010/main" val="1465927871"/>
       </p:ext>
     </p:extLst>
   </p:cSld>
@@ -2134,94 +1908,50 @@
       </p:grpSpPr>
       <p:sp>
         <p:nvSpPr>
-          <p:cNvPr id="2" name="Rectangle 1"/>
-          <p:cNvSpPr/>
-          <p:nvPr/>
+          <p:cNvPr id="2" name="Title 1"/>
+          <p:cNvSpPr>
+            <a:spLocks noGrp="1"/>
+          </p:cNvSpPr>
+          <p:nvPr>
+            <p:ph type="title"/>
+          </p:nvPr>
         </p:nvSpPr>
         <p:spPr>
           <a:xfrm>
-            <a:off x="7620000" y="0"/>
-            <a:ext cx="4572000" cy="6858000"/>
+            <a:off x="839788" y="457200"/>
+            <a:ext cx="3932237" cy="1600200"/>
           </a:xfrm>
-          <a:prstGeom prst="rect">
-            <a:avLst/>
-          </a:prstGeom>
-          <a:ln>
-            <a:noFill/>
-          </a:ln>
         </p:spPr>
-        <p:style>
-          <a:lnRef idx="2">
-            <a:schemeClr val="accent1">
-              <a:shade val="50000"/>
-            </a:schemeClr>
-          </a:lnRef>
-          <a:fillRef idx="1">
-            <a:schemeClr val="accent1"/>
-          </a:fillRef>
-          <a:effectRef idx="0">
-            <a:schemeClr val="accent1"/>
-          </a:effectRef>
-          <a:fontRef idx="minor">
-            <a:schemeClr val="lt1"/>
-          </a:fontRef>
-        </p:style>
-      </p:sp>
-      <p:sp>
-        <p:nvSpPr>
-          <p:cNvPr id="9" name="Title 8"/>
-          <p:cNvSpPr>
-            <a:spLocks noGrp="1"/>
-          </p:cNvSpPr>
-          <p:nvPr>
-            <p:ph type="title"/>
+        <p:txBody>
+          <a:bodyPr anchor="b"/>
+          <a:lstStyle>
+            <a:lvl1pPr>
+              <a:defRPr sz="3200"/>
+            </a:lvl1pPr>
+          </a:lstStyle>
+          <a:p>
+            <a:r>
+              <a:rPr lang="ru-RU"/>
+              <a:t>Образец заголовка</a:t>
+            </a:r>
+            <a:endParaRPr lang="en-US" dirty="0"/>
+          </a:p>
+        </p:txBody>
+      </p:sp>
+      <p:sp>
+        <p:nvSpPr>
+          <p:cNvPr id="3" name="Content Placeholder 2"/>
+          <p:cNvSpPr>
+            <a:spLocks noGrp="1"/>
+          </p:cNvSpPr>
+          <p:nvPr>
+            <p:ph idx="1"/>
           </p:nvPr>
         </p:nvSpPr>
         <p:spPr>
           <a:xfrm>
-            <a:off x="8261404" y="542282"/>
-            <a:ext cx="3383280" cy="1920240"/>
-          </a:xfrm>
-        </p:spPr>
-        <p:txBody>
-          <a:bodyPr anchor="b">
-            <a:noAutofit/>
-          </a:bodyPr>
-          <a:lstStyle>
-            <a:lvl1pPr>
-              <a:lnSpc>
-                <a:spcPct val="85000"/>
-              </a:lnSpc>
-              <a:defRPr sz="4000">
-                <a:solidFill>
-                  <a:srgbClr val="FFFFFF"/>
-                </a:solidFill>
-              </a:defRPr>
-            </a:lvl1pPr>
-          </a:lstStyle>
-          <a:p>
-            <a:r>
-              <a:rPr lang="ru-RU"/>
-              <a:t>Образец заголовка</a:t>
-            </a:r>
-            <a:endParaRPr lang="en-US" dirty="0"/>
-          </a:p>
-        </p:txBody>
-      </p:sp>
-      <p:sp>
-        <p:nvSpPr>
-          <p:cNvPr id="3" name="Content Placeholder 2"/>
-          <p:cNvSpPr>
-            <a:spLocks noGrp="1"/>
-          </p:cNvSpPr>
-          <p:nvPr>
-            <p:ph idx="1"/>
-          </p:nvPr>
-        </p:nvSpPr>
-        <p:spPr>
-          <a:xfrm>
-            <a:off x="762000" y="762000"/>
-            <a:ext cx="6096000" cy="4572000"/>
+            <a:off x="5183188" y="987425"/>
+            <a:ext cx="6172200" cy="4873625"/>
           </a:xfrm>
         </p:spPr>
         <p:txBody>
@@ -2305,87 +2035,52 @@
         </p:nvSpPr>
         <p:spPr>
           <a:xfrm>
-            <a:off x="8275982" y="2511813"/>
-            <a:ext cx="3398520" cy="3126987"/>
+            <a:off x="839788" y="2057400"/>
+            <a:ext cx="3932237" cy="3811588"/>
           </a:xfrm>
         </p:spPr>
         <p:txBody>
-          <a:bodyPr>
-            <a:normAutofit/>
-          </a:bodyPr>
+          <a:bodyPr/>
           <a:lstStyle>
-            <a:lvl1pPr marL="0" marR="0" indent="0" algn="l" defTabSz="914400" rtl="0" eaLnBrk="1" fontAlgn="auto" latinLnBrk="0" hangingPunct="1">
-              <a:lnSpc>
-                <a:spcPct val="100000"/>
-              </a:lnSpc>
-              <a:spcBef>
-                <a:spcPts val="1200"/>
-              </a:spcBef>
-              <a:spcAft>
-                <a:spcPts val="0"/>
-              </a:spcAft>
-              <a:buClrTx/>
-              <a:buSzTx/>
-              <a:buFontTx/>
-              <a:buNone/>
-              <a:tabLst/>
-              <a:defRPr sz="1800">
-                <a:solidFill>
-                  <a:srgbClr val="262626"/>
-                </a:solidFill>
-              </a:defRPr>
+            <a:lvl1pPr marL="0" indent="0">
+              <a:buNone/>
+              <a:defRPr sz="1600"/>
             </a:lvl1pPr>
             <a:lvl2pPr marL="457200" indent="0">
               <a:buNone/>
-              <a:defRPr sz="1200"/>
+              <a:defRPr sz="1400"/>
             </a:lvl2pPr>
             <a:lvl3pPr marL="914400" indent="0">
               <a:buNone/>
-              <a:defRPr sz="1000"/>
+              <a:defRPr sz="1200"/>
             </a:lvl3pPr>
             <a:lvl4pPr marL="1371600" indent="0">
               <a:buNone/>
-              <a:defRPr sz="900"/>
+              <a:defRPr sz="1000"/>
             </a:lvl4pPr>
             <a:lvl5pPr marL="1828800" indent="0">
               <a:buNone/>
-              <a:defRPr sz="900"/>
+              <a:defRPr sz="1000"/>
             </a:lvl5pPr>
             <a:lvl6pPr marL="2286000" indent="0">
               <a:buNone/>
-              <a:defRPr sz="900"/>
+              <a:defRPr sz="1000"/>
             </a:lvl6pPr>
             <a:lvl7pPr marL="2743200" indent="0">
               <a:buNone/>
-              <a:defRPr sz="900"/>
+              <a:defRPr sz="1000"/>
             </a:lvl7pPr>
             <a:lvl8pPr marL="3200400" indent="0">
               <a:buNone/>
-              <a:defRPr sz="900"/>
+              <a:defRPr sz="1000"/>
             </a:lvl8pPr>
             <a:lvl9pPr marL="3657600" indent="0">
               <a:buNone/>
-              <a:defRPr sz="900"/>
+              <a:defRPr sz="1000"/>
             </a:lvl9pPr>
           </a:lstStyle>
           <a:p>
-            <a:pPr marL="0" marR="0" lvl="0" indent="0" algn="l" defTabSz="914400" rtl="0" eaLnBrk="1" fontAlgn="auto" latinLnBrk="0" hangingPunct="1">
-              <a:lnSpc>
-                <a:spcPct val="100000"/>
-              </a:lnSpc>
-              <a:spcBef>
-                <a:spcPts val="1400"/>
-              </a:spcBef>
-              <a:spcAft>
-                <a:spcPts val="0"/>
-              </a:spcAft>
-              <a:buClrTx/>
-              <a:buSzTx/>
-              <a:buFontTx/>
-              <a:buNone/>
-              <a:tabLst/>
-              <a:defRPr/>
-            </a:pPr>
+            <a:pPr lvl="0"/>
             <a:r>
               <a:rPr lang="ru-RU"/>
               <a:t>Образец текста</a:t>
@@ -2410,7 +2105,7 @@
           <a:p>
             <a:fld id="{58D606F0-41E0-4792-8AF0-C438DCB05F4D}" type="datetimeFigureOut">
               <a:rPr lang="ru-RU" smtClean="0"/>
-              <a:t>05.09.2025</a:t>
+              <a:t>11.12.2025</a:t>
             </a:fld>
             <a:endParaRPr lang="ru-RU"/>
           </a:p>
@@ -2448,17 +2143,7 @@
         <p:spPr/>
         <p:txBody>
           <a:bodyPr/>
-          <a:lstStyle>
-            <a:lvl1pPr>
-              <a:defRPr>
-                <a:solidFill>
-                  <a:srgbClr val="FFFFFF">
-                    <a:alpha val="20000"/>
-                  </a:srgbClr>
-                </a:solidFill>
-              </a:defRPr>
-            </a:lvl1pPr>
-          </a:lstStyle>
+          <a:lstStyle/>
           <a:p>
             <a:fld id="{949173B1-EC1E-423B-8025-08A795D3FA83}" type="slidenum">
               <a:rPr lang="ru-RU" smtClean="0"/>
@@ -2471,7 +2156,7 @@
     </p:spTree>
     <p:extLst>
       <p:ext uri="{BB962C8B-B14F-4D97-AF65-F5344CB8AC3E}">
-        <p14:creationId xmlns:p14="http://schemas.microsoft.com/office/powerpoint/2010/main" val="3972360406"/>
+        <p14:creationId xmlns:p14="http://schemas.microsoft.com/office/powerpoint/2010/main" val="2653389078"/>
       </p:ext>
     </p:extLst>
   </p:cSld>
@@ -2484,14 +2169,6 @@
 <file path=ppt/slideLayouts/slideLayout9.xml><?xml version="1.0" encoding="utf-8"?>
 <p:sldLayout xmlns:a="http://schemas.openxmlformats.org/drawingml/2006/main" xmlns:r="http://schemas.openxmlformats.org/officeDocument/2006/relationships" xmlns:p="http://schemas.openxmlformats.org/presentationml/2006/main" type="picTx" preserve="1">
   <p:cSld name="Рисунок с подписью">
-    <p:bg>
-      <p:bgPr>
-        <a:solidFill>
-          <a:schemeClr val="accent1"/>
-        </a:solidFill>
-        <a:effectLst/>
-      </p:bgPr>
-    </p:bg>
     <p:spTree>
       <p:nvGrpSpPr>
         <p:cNvPr id="1" name=""/>
@@ -2518,21 +2195,15 @@
         </p:nvSpPr>
         <p:spPr>
           <a:xfrm>
-            <a:off x="649224" y="5418667"/>
-            <a:ext cx="10780776" cy="613283"/>
+            <a:off x="839788" y="457200"/>
+            <a:ext cx="3932237" cy="1600200"/>
           </a:xfrm>
         </p:spPr>
         <p:txBody>
-          <a:bodyPr anchor="b">
-            <a:normAutofit/>
-          </a:bodyPr>
+          <a:bodyPr anchor="b"/>
           <a:lstStyle>
             <a:lvl1pPr>
-              <a:defRPr sz="3200" b="0">
-                <a:solidFill>
-                  <a:srgbClr val="FFFFFF"/>
-                </a:solidFill>
-              </a:defRPr>
+              <a:defRPr sz="3200"/>
             </a:lvl1pPr>
           </a:lstStyle>
           <a:p>
@@ -2556,32 +2227,16 @@
         </p:nvSpPr>
         <p:spPr>
           <a:xfrm>
-            <a:off x="0" y="0"/>
-            <a:ext cx="12192000" cy="5330952"/>
+            <a:off x="5183188" y="987425"/>
+            <a:ext cx="6172200" cy="4873625"/>
           </a:xfrm>
-          <a:solidFill>
-            <a:schemeClr val="accent1">
-              <a:lumMod val="20000"/>
-              <a:lumOff val="80000"/>
-            </a:schemeClr>
-          </a:solidFill>
         </p:spPr>
         <p:txBody>
           <a:bodyPr anchor="t"/>
           <a:lstStyle>
-            <a:lvl1pPr marL="0" indent="0" algn="ctr">
-              <a:spcBef>
-                <a:spcPts val="800"/>
-              </a:spcBef>
-              <a:buNone/>
-              <a:defRPr sz="3200">
-                <a:solidFill>
-                  <a:schemeClr val="tx1">
-                    <a:lumMod val="75000"/>
-                    <a:lumOff val="25000"/>
-                  </a:schemeClr>
-                </a:solidFill>
-              </a:defRPr>
+            <a:lvl1pPr marL="0" indent="0">
+              <a:buNone/>
+              <a:defRPr sz="3200"/>
             </a:lvl1pPr>
             <a:lvl2pPr marL="457200" indent="0">
               <a:buNone/>
@@ -2637,57 +2292,48 @@
         </p:nvSpPr>
         <p:spPr>
           <a:xfrm>
-            <a:off x="676656" y="5909735"/>
-            <a:ext cx="9229344" cy="533400"/>
+            <a:off x="839788" y="2057400"/>
+            <a:ext cx="3932237" cy="3811588"/>
           </a:xfrm>
         </p:spPr>
         <p:txBody>
-          <a:bodyPr>
-            <a:normAutofit/>
-          </a:bodyPr>
+          <a:bodyPr/>
           <a:lstStyle>
             <a:lvl1pPr marL="0" indent="0">
-              <a:lnSpc>
-                <a:spcPct val="90000"/>
-              </a:lnSpc>
-              <a:buNone/>
-              <a:defRPr sz="1400">
-                <a:solidFill>
-                  <a:srgbClr val="262626"/>
-                </a:solidFill>
-              </a:defRPr>
+              <a:buNone/>
+              <a:defRPr sz="1600"/>
             </a:lvl1pPr>
             <a:lvl2pPr marL="457200" indent="0">
               <a:buNone/>
-              <a:defRPr sz="1200"/>
+              <a:defRPr sz="1400"/>
             </a:lvl2pPr>
             <a:lvl3pPr marL="914400" indent="0">
               <a:buNone/>
-              <a:defRPr sz="1000"/>
+              <a:defRPr sz="1200"/>
             </a:lvl3pPr>
             <a:lvl4pPr marL="1371600" indent="0">
               <a:buNone/>
-              <a:defRPr sz="900"/>
+              <a:defRPr sz="1000"/>
             </a:lvl4pPr>
             <a:lvl5pPr marL="1828800" indent="0">
               <a:buNone/>
-              <a:defRPr sz="900"/>
+              <a:defRPr sz="1000"/>
             </a:lvl5pPr>
             <a:lvl6pPr marL="2286000" indent="0">
               <a:buNone/>
-              <a:defRPr sz="900"/>
+              <a:defRPr sz="1000"/>
             </a:lvl6pPr>
             <a:lvl7pPr marL="2743200" indent="0">
               <a:buNone/>
-              <a:defRPr sz="900"/>
+              <a:defRPr sz="1000"/>
             </a:lvl7pPr>
             <a:lvl8pPr marL="3200400" indent="0">
               <a:buNone/>
-              <a:defRPr sz="900"/>
+              <a:defRPr sz="1000"/>
             </a:lvl8pPr>
             <a:lvl9pPr marL="3657600" indent="0">
               <a:buNone/>
-              <a:defRPr sz="900"/>
+              <a:defRPr sz="1000"/>
             </a:lvl9pPr>
           </a:lstStyle>
           <a:p>
@@ -2701,7 +2347,7 @@
       </p:sp>
       <p:sp>
         <p:nvSpPr>
-          <p:cNvPr id="12" name="Date Placeholder 11"/>
+          <p:cNvPr id="5" name="Date Placeholder 4"/>
           <p:cNvSpPr>
             <a:spLocks noGrp="1"/>
           </p:cNvSpPr>
@@ -2712,21 +2358,11 @@
         <p:spPr/>
         <p:txBody>
           <a:bodyPr/>
-          <a:lstStyle>
-            <a:lvl1pPr>
-              <a:defRPr>
-                <a:solidFill>
-                  <a:srgbClr val="FFFFFF">
-                    <a:alpha val="80000"/>
-                  </a:srgbClr>
-                </a:solidFill>
-              </a:defRPr>
-            </a:lvl1pPr>
-          </a:lstStyle>
+          <a:lstStyle/>
           <a:p>
             <a:fld id="{58D606F0-41E0-4792-8AF0-C438DCB05F4D}" type="datetimeFigureOut">
               <a:rPr lang="ru-RU" smtClean="0"/>
-              <a:t>05.09.2025</a:t>
+              <a:t>11.12.2025</a:t>
             </a:fld>
             <a:endParaRPr lang="ru-RU"/>
           </a:p>
@@ -2734,7 +2370,7 @@
       </p:sp>
       <p:sp>
         <p:nvSpPr>
-          <p:cNvPr id="13" name="Footer Placeholder 12"/>
+          <p:cNvPr id="6" name="Footer Placeholder 5"/>
           <p:cNvSpPr>
             <a:spLocks noGrp="1"/>
           </p:cNvSpPr>
@@ -2745,17 +2381,7 @@
         <p:spPr/>
         <p:txBody>
           <a:bodyPr/>
-          <a:lstStyle>
-            <a:lvl1pPr>
-              <a:defRPr>
-                <a:solidFill>
-                  <a:srgbClr val="FFFFFF">
-                    <a:alpha val="80000"/>
-                  </a:srgbClr>
-                </a:solidFill>
-              </a:defRPr>
-            </a:lvl1pPr>
-          </a:lstStyle>
+          <a:lstStyle/>
           <a:p>
             <a:endParaRPr lang="ru-RU"/>
           </a:p>
@@ -2763,7 +2389,7 @@
       </p:sp>
       <p:sp>
         <p:nvSpPr>
-          <p:cNvPr id="14" name="Slide Number Placeholder 13"/>
+          <p:cNvPr id="7" name="Slide Number Placeholder 6"/>
           <p:cNvSpPr>
             <a:spLocks noGrp="1"/>
           </p:cNvSpPr>
@@ -2774,17 +2400,7 @@
         <p:spPr/>
         <p:txBody>
           <a:bodyPr/>
-          <a:lstStyle>
-            <a:lvl1pPr>
-              <a:defRPr>
-                <a:solidFill>
-                  <a:srgbClr val="FFFFFF">
-                    <a:alpha val="25000"/>
-                  </a:srgbClr>
-                </a:solidFill>
-              </a:defRPr>
-            </a:lvl1pPr>
-          </a:lstStyle>
+          <a:lstStyle/>
           <a:p>
             <a:fld id="{949173B1-EC1E-423B-8025-08A795D3FA83}" type="slidenum">
               <a:rPr lang="ru-RU" smtClean="0"/>
@@ -2797,12 +2413,12 @@
     </p:spTree>
     <p:extLst>
       <p:ext uri="{BB962C8B-B14F-4D97-AF65-F5344CB8AC3E}">
-        <p14:creationId xmlns:p14="http://schemas.microsoft.com/office/powerpoint/2010/main" val="3138359811"/>
+        <p14:creationId xmlns:p14="http://schemas.microsoft.com/office/powerpoint/2010/main" val="2409308861"/>
       </p:ext>
     </p:extLst>
   </p:cSld>
   <p:clrMapOvr>
-    <a:overrideClrMapping bg1="lt1" tx1="dk1" bg2="lt2" tx2="dk2" accent1="accent1" accent2="accent2" accent3="accent3" accent4="accent4" accent5="accent5" accent6="accent6" hlink="hlink" folHlink="folHlink"/>
+    <a:masterClrMapping/>
   </p:clrMapOvr>
 </p:sldLayout>
 </file>
@@ -2841,8 +2457,8 @@
         </p:nvSpPr>
         <p:spPr>
           <a:xfrm>
-            <a:off x="657224" y="499533"/>
-            <a:ext cx="10772775" cy="1658198"/>
+            <a:off x="838200" y="365125"/>
+            <a:ext cx="10515600" cy="1325563"/>
           </a:xfrm>
           <a:prstGeom prst="rect">
             <a:avLst/>
@@ -2874,8 +2490,8 @@
         </p:nvSpPr>
         <p:spPr>
           <a:xfrm>
-            <a:off x="676656" y="2011680"/>
-            <a:ext cx="10753725" cy="3766185"/>
+            <a:off x="838200" y="1825625"/>
+            <a:ext cx="10515600" cy="4351338"/>
           </a:xfrm>
           <a:prstGeom prst="rect">
             <a:avLst/>
@@ -2936,8 +2552,8 @@
         </p:nvSpPr>
         <p:spPr>
           <a:xfrm>
-            <a:off x="685800" y="6412447"/>
-            <a:ext cx="4114800" cy="228600"/>
+            <a:off x="838200" y="6356350"/>
+            <a:ext cx="2743200" cy="365125"/>
           </a:xfrm>
           <a:prstGeom prst="rect">
             <a:avLst/>
@@ -2947,10 +2563,10 @@
           <a:bodyPr vert="horz" lIns="91440" tIns="45720" rIns="91440" bIns="45720" rtlCol="0" anchor="ctr"/>
           <a:lstStyle>
             <a:lvl1pPr algn="l">
-              <a:defRPr sz="950">
+              <a:defRPr sz="1200">
                 <a:solidFill>
                   <a:schemeClr val="tx1">
-                    <a:alpha val="80000"/>
+                    <a:tint val="75000"/>
                   </a:schemeClr>
                 </a:solidFill>
               </a:defRPr>
@@ -2959,7 +2575,7 @@
           <a:p>
             <a:fld id="{58D606F0-41E0-4792-8AF0-C438DCB05F4D}" type="datetimeFigureOut">
               <a:rPr lang="ru-RU" smtClean="0"/>
-              <a:t>05.09.2025</a:t>
+              <a:t>11.12.2025</a:t>
             </a:fld>
             <a:endParaRPr lang="ru-RU"/>
           </a:p>
@@ -2977,8 +2593,8 @@
         </p:nvSpPr>
         <p:spPr>
           <a:xfrm>
-            <a:off x="685800" y="6554697"/>
-            <a:ext cx="5029200" cy="228600"/>
+            <a:off x="4038600" y="6356350"/>
+            <a:ext cx="4114800" cy="365125"/>
           </a:xfrm>
           <a:prstGeom prst="rect">
             <a:avLst/>
@@ -2987,11 +2603,11 @@
         <p:txBody>
           <a:bodyPr vert="horz" lIns="91440" tIns="45720" rIns="91440" bIns="45720" rtlCol="0" anchor="ctr"/>
           <a:lstStyle>
-            <a:lvl1pPr algn="l">
-              <a:defRPr sz="950" cap="all" baseline="0">
+            <a:lvl1pPr algn="ctr">
+              <a:defRPr sz="1200">
                 <a:solidFill>
                   <a:schemeClr val="tx1">
-                    <a:alpha val="80000"/>
+                    <a:tint val="75000"/>
                   </a:schemeClr>
                 </a:solidFill>
               </a:defRPr>
@@ -3014,27 +2630,23 @@
         </p:nvSpPr>
         <p:spPr>
           <a:xfrm>
-            <a:off x="8763926" y="5876412"/>
-            <a:ext cx="2926080" cy="1397039"/>
+            <a:off x="8610600" y="6356350"/>
+            <a:ext cx="2743200" cy="365125"/>
           </a:xfrm>
           <a:prstGeom prst="rect">
             <a:avLst/>
           </a:prstGeom>
         </p:spPr>
         <p:txBody>
-          <a:bodyPr vert="horz" lIns="91440" tIns="45720" rIns="91440" bIns="45720" rtlCol="0" anchor="b"/>
+          <a:bodyPr vert="horz" lIns="91440" tIns="45720" rIns="91440" bIns="45720" rtlCol="0" anchor="ctr"/>
           <a:lstStyle>
             <a:lvl1pPr algn="r">
-              <a:defRPr sz="10300" b="0">
-                <a:ln>
-                  <a:noFill/>
-                </a:ln>
+              <a:defRPr sz="1200">
                 <a:solidFill>
-                  <a:schemeClr val="accent1">
-                    <a:alpha val="25000"/>
+                  <a:schemeClr val="tx1">
+                    <a:tint val="75000"/>
                   </a:schemeClr>
                 </a:solidFill>
-                <a:latin typeface="+mj-lt"/>
               </a:defRPr>
             </a:lvl1pPr>
           </a:lstStyle>
@@ -3050,37 +2662,37 @@
     </p:spTree>
     <p:extLst>
       <p:ext uri="{BB962C8B-B14F-4D97-AF65-F5344CB8AC3E}">
-        <p14:creationId xmlns:p14="http://schemas.microsoft.com/office/powerpoint/2010/main" val="3580165163"/>
+        <p14:creationId xmlns:p14="http://schemas.microsoft.com/office/powerpoint/2010/main" val="3757086008"/>
       </p:ext>
     </p:extLst>
   </p:cSld>
   <p:clrMap bg1="lt1" tx1="dk1" bg2="lt2" tx2="dk2" accent1="accent1" accent2="accent2" accent3="accent3" accent4="accent4" accent5="accent5" accent6="accent6" hlink="hlink" folHlink="folHlink"/>
   <p:sldLayoutIdLst>
-    <p:sldLayoutId id="2147483715" r:id="rId1"/>
-    <p:sldLayoutId id="2147483716" r:id="rId2"/>
-    <p:sldLayoutId id="2147483717" r:id="rId3"/>
-    <p:sldLayoutId id="2147483718" r:id="rId4"/>
-    <p:sldLayoutId id="2147483719" r:id="rId5"/>
-    <p:sldLayoutId id="2147483720" r:id="rId6"/>
-    <p:sldLayoutId id="2147483721" r:id="rId7"/>
-    <p:sldLayoutId id="2147483722" r:id="rId8"/>
-    <p:sldLayoutId id="2147483723" r:id="rId9"/>
-    <p:sldLayoutId id="2147483724" r:id="rId10"/>
-    <p:sldLayoutId id="2147483725" r:id="rId11"/>
+    <p:sldLayoutId id="2147483727" r:id="rId1"/>
+    <p:sldLayoutId id="2147483728" r:id="rId2"/>
+    <p:sldLayoutId id="2147483729" r:id="rId3"/>
+    <p:sldLayoutId id="2147483730" r:id="rId4"/>
+    <p:sldLayoutId id="2147483731" r:id="rId5"/>
+    <p:sldLayoutId id="2147483732" r:id="rId6"/>
+    <p:sldLayoutId id="2147483733" r:id="rId7"/>
+    <p:sldLayoutId id="2147483734" r:id="rId8"/>
+    <p:sldLayoutId id="2147483735" r:id="rId9"/>
+    <p:sldLayoutId id="2147483736" r:id="rId10"/>
+    <p:sldLayoutId id="2147483737" r:id="rId11"/>
   </p:sldLayoutIdLst>
   <p:txStyles>
     <p:titleStyle>
       <a:lvl1pPr algn="l" defTabSz="914400" rtl="0" eaLnBrk="1" latinLnBrk="0" hangingPunct="1">
         <a:lnSpc>
-          <a:spcPct val="85000"/>
+          <a:spcPct val="90000"/>
         </a:lnSpc>
         <a:spcBef>
           <a:spcPct val="0"/>
         </a:spcBef>
         <a:buNone/>
-        <a:defRPr sz="5400" kern="1200" spc="-120" baseline="0">
+        <a:defRPr sz="4400" kern="1200">
           <a:solidFill>
-            <a:schemeClr val="accent1"/>
+            <a:schemeClr val="tx1"/>
           </a:solidFill>
           <a:latin typeface="+mj-lt"/>
           <a:ea typeface="+mj-ea"/>
@@ -3089,189 +2701,162 @@
       </a:lvl1pPr>
     </p:titleStyle>
     <p:bodyStyle>
-      <a:lvl1pPr marL="91440" indent="-91440" algn="l" defTabSz="914400" rtl="0" eaLnBrk="1" latinLnBrk="0" hangingPunct="1">
+      <a:lvl1pPr marL="228600" indent="-228600" algn="l" defTabSz="914400" rtl="0" eaLnBrk="1" latinLnBrk="0" hangingPunct="1">
         <a:lnSpc>
-          <a:spcPct val="85000"/>
+          <a:spcPct val="90000"/>
         </a:lnSpc>
         <a:spcBef>
-          <a:spcPts val="1300"/>
+          <a:spcPts val="1000"/>
         </a:spcBef>
-        <a:buFont typeface="Arial" pitchFamily="34" charset="0"/>
-        <a:buChar char=" "/>
-        <a:defRPr sz="2400" kern="1200">
+        <a:buFont typeface="Arial" panose="020B0604020202020204" pitchFamily="34" charset="0"/>
+        <a:buChar char="•"/>
+        <a:defRPr sz="2800" kern="1200">
           <a:solidFill>
-            <a:schemeClr val="tx1">
-              <a:lumMod val="85000"/>
-              <a:lumOff val="15000"/>
-            </a:schemeClr>
+            <a:schemeClr val="tx1"/>
           </a:solidFill>
           <a:latin typeface="+mn-lt"/>
           <a:ea typeface="+mn-ea"/>
           <a:cs typeface="+mn-cs"/>
         </a:defRPr>
       </a:lvl1pPr>
-      <a:lvl2pPr marL="347472" indent="-342900" algn="l" defTabSz="914400" rtl="0" eaLnBrk="1" latinLnBrk="0" hangingPunct="1">
+      <a:lvl2pPr marL="685800" indent="-228600" algn="l" defTabSz="914400" rtl="0" eaLnBrk="1" latinLnBrk="0" hangingPunct="1">
         <a:lnSpc>
-          <a:spcPct val="85000"/>
+          <a:spcPct val="90000"/>
         </a:lnSpc>
         <a:spcBef>
-          <a:spcPts val="600"/>
+          <a:spcPts val="500"/>
         </a:spcBef>
-        <a:buFont typeface="Arial" pitchFamily="34" charset="0"/>
-        <a:buChar char=" "/>
+        <a:buFont typeface="Arial" panose="020B0604020202020204" pitchFamily="34" charset="0"/>
+        <a:buChar char="•"/>
         <a:defRPr sz="2400" kern="1200">
           <a:solidFill>
-            <a:schemeClr val="tx1">
-              <a:lumMod val="85000"/>
-              <a:lumOff val="15000"/>
-            </a:schemeClr>
+            <a:schemeClr val="tx1"/>
           </a:solidFill>
           <a:latin typeface="+mn-lt"/>
           <a:ea typeface="+mn-ea"/>
           <a:cs typeface="+mn-cs"/>
         </a:defRPr>
       </a:lvl2pPr>
-      <a:lvl3pPr marL="548640" indent="-548640" algn="l" defTabSz="914400" rtl="0" eaLnBrk="1" latinLnBrk="0" hangingPunct="1">
+      <a:lvl3pPr marL="1143000" indent="-228600" algn="l" defTabSz="914400" rtl="0" eaLnBrk="1" latinLnBrk="0" hangingPunct="1">
         <a:lnSpc>
-          <a:spcPct val="85000"/>
+          <a:spcPct val="90000"/>
         </a:lnSpc>
         <a:spcBef>
-          <a:spcPts val="600"/>
+          <a:spcPts val="500"/>
         </a:spcBef>
-        <a:buFont typeface="Arial" pitchFamily="34" charset="0"/>
-        <a:buChar char=" "/>
-        <a:defRPr sz="2000" i="1" kern="1200">
+        <a:buFont typeface="Arial" panose="020B0604020202020204" pitchFamily="34" charset="0"/>
+        <a:buChar char="•"/>
+        <a:defRPr sz="2000" kern="1200">
           <a:solidFill>
-            <a:schemeClr val="tx1">
-              <a:lumMod val="85000"/>
-              <a:lumOff val="15000"/>
-            </a:schemeClr>
+            <a:schemeClr val="tx1"/>
           </a:solidFill>
           <a:latin typeface="+mn-lt"/>
           <a:ea typeface="+mn-ea"/>
           <a:cs typeface="+mn-cs"/>
         </a:defRPr>
       </a:lvl3pPr>
-      <a:lvl4pPr marL="822960" indent="-822960" algn="l" defTabSz="914400" rtl="0" eaLnBrk="1" latinLnBrk="0" hangingPunct="1">
+      <a:lvl4pPr marL="1600200" indent="-228600" algn="l" defTabSz="914400" rtl="0" eaLnBrk="1" latinLnBrk="0" hangingPunct="1">
         <a:lnSpc>
-          <a:spcPct val="85000"/>
+          <a:spcPct val="90000"/>
         </a:lnSpc>
         <a:spcBef>
-          <a:spcPts val="600"/>
+          <a:spcPts val="500"/>
         </a:spcBef>
-        <a:buFont typeface="Arial" pitchFamily="34" charset="0"/>
-        <a:buChar char=" "/>
+        <a:buFont typeface="Arial" panose="020B0604020202020204" pitchFamily="34" charset="0"/>
+        <a:buChar char="•"/>
         <a:defRPr sz="1800" kern="1200">
           <a:solidFill>
-            <a:schemeClr val="tx1">
-              <a:lumMod val="85000"/>
-              <a:lumOff val="15000"/>
-            </a:schemeClr>
+            <a:schemeClr val="tx1"/>
           </a:solidFill>
           <a:latin typeface="+mn-lt"/>
           <a:ea typeface="+mn-ea"/>
           <a:cs typeface="+mn-cs"/>
         </a:defRPr>
       </a:lvl4pPr>
-      <a:lvl5pPr marL="1097280" indent="-1097280" algn="l" defTabSz="914400" rtl="0" eaLnBrk="1" latinLnBrk="0" hangingPunct="1">
+      <a:lvl5pPr marL="2057400" indent="-228600" algn="l" defTabSz="914400" rtl="0" eaLnBrk="1" latinLnBrk="0" hangingPunct="1">
         <a:lnSpc>
-          <a:spcPct val="85000"/>
+          <a:spcPct val="90000"/>
         </a:lnSpc>
         <a:spcBef>
-          <a:spcPts val="600"/>
+          <a:spcPts val="500"/>
         </a:spcBef>
-        <a:buFont typeface="Arial" pitchFamily="34" charset="0"/>
-        <a:buChar char=" "/>
+        <a:buFont typeface="Arial" panose="020B0604020202020204" pitchFamily="34" charset="0"/>
+        <a:buChar char="•"/>
         <a:defRPr sz="1800" kern="1200">
           <a:solidFill>
-            <a:schemeClr val="tx1">
-              <a:lumMod val="85000"/>
-              <a:lumOff val="15000"/>
-            </a:schemeClr>
+            <a:schemeClr val="tx1"/>
           </a:solidFill>
           <a:latin typeface="+mn-lt"/>
           <a:ea typeface="+mn-ea"/>
           <a:cs typeface="+mn-cs"/>
         </a:defRPr>
       </a:lvl5pPr>
-      <a:lvl6pPr marL="1200000" indent="-228600" algn="l" defTabSz="914400" rtl="0" eaLnBrk="1" latinLnBrk="0" hangingPunct="1">
+      <a:lvl6pPr marL="2514600" indent="-228600" algn="l" defTabSz="914400" rtl="0" eaLnBrk="1" latinLnBrk="0" hangingPunct="1">
         <a:lnSpc>
-          <a:spcPct val="85000"/>
+          <a:spcPct val="90000"/>
         </a:lnSpc>
         <a:spcBef>
-          <a:spcPts val="600"/>
+          <a:spcPts val="500"/>
         </a:spcBef>
-        <a:buFont typeface="Arial" pitchFamily="34" charset="0"/>
-        <a:buChar char=" "/>
+        <a:buFont typeface="Arial" panose="020B0604020202020204" pitchFamily="34" charset="0"/>
+        <a:buChar char="•"/>
         <a:defRPr sz="1800" kern="1200">
           <a:solidFill>
-            <a:schemeClr val="tx1">
-              <a:lumMod val="85000"/>
-              <a:lumOff val="15000"/>
-            </a:schemeClr>
+            <a:schemeClr val="tx1"/>
           </a:solidFill>
           <a:latin typeface="+mn-lt"/>
           <a:ea typeface="+mn-ea"/>
           <a:cs typeface="+mn-cs"/>
         </a:defRPr>
       </a:lvl6pPr>
-      <a:lvl7pPr marL="1400000" indent="-228600" algn="l" defTabSz="914400" rtl="0" eaLnBrk="1" latinLnBrk="0" hangingPunct="1">
+      <a:lvl7pPr marL="2971800" indent="-228600" algn="l" defTabSz="914400" rtl="0" eaLnBrk="1" latinLnBrk="0" hangingPunct="1">
         <a:lnSpc>
-          <a:spcPct val="85000"/>
+          <a:spcPct val="90000"/>
         </a:lnSpc>
         <a:spcBef>
-          <a:spcPts val="600"/>
+          <a:spcPts val="500"/>
         </a:spcBef>
-        <a:buFont typeface="Arial" pitchFamily="34" charset="0"/>
-        <a:buChar char=" "/>
+        <a:buFont typeface="Arial" panose="020B0604020202020204" pitchFamily="34" charset="0"/>
+        <a:buChar char="•"/>
         <a:defRPr sz="1800" kern="1200">
           <a:solidFill>
-            <a:schemeClr val="tx1">
-              <a:lumMod val="85000"/>
-              <a:lumOff val="15000"/>
-            </a:schemeClr>
+            <a:schemeClr val="tx1"/>
           </a:solidFill>
           <a:latin typeface="+mn-lt"/>
           <a:ea typeface="+mn-ea"/>
           <a:cs typeface="+mn-cs"/>
         </a:defRPr>
       </a:lvl7pPr>
-      <a:lvl8pPr marL="1600000" indent="-228600" algn="l" defTabSz="914400" rtl="0" eaLnBrk="1" latinLnBrk="0" hangingPunct="1">
+      <a:lvl8pPr marL="3429000" indent="-228600" algn="l" defTabSz="914400" rtl="0" eaLnBrk="1" latinLnBrk="0" hangingPunct="1">
         <a:lnSpc>
-          <a:spcPct val="85000"/>
+          <a:spcPct val="90000"/>
         </a:lnSpc>
         <a:spcBef>
-          <a:spcPts val="600"/>
+          <a:spcPts val="500"/>
         </a:spcBef>
-        <a:buFont typeface="Arial" pitchFamily="34" charset="0"/>
-        <a:buChar char=" "/>
+        <a:buFont typeface="Arial" panose="020B0604020202020204" pitchFamily="34" charset="0"/>
+        <a:buChar char="•"/>
         <a:defRPr sz="1800" kern="1200">
           <a:solidFill>
-            <a:schemeClr val="tx1">
-              <a:lumMod val="85000"/>
-              <a:lumOff val="15000"/>
-            </a:schemeClr>
+            <a:schemeClr val="tx1"/>
           </a:solidFill>
           <a:latin typeface="+mn-lt"/>
           <a:ea typeface="+mn-ea"/>
           <a:cs typeface="+mn-cs"/>
         </a:defRPr>
       </a:lvl8pPr>
-      <a:lvl9pPr marL="1800000" indent="-228600" algn="l" defTabSz="914400" rtl="0" eaLnBrk="1" latinLnBrk="0" hangingPunct="1">
+      <a:lvl9pPr marL="3886200" indent="-228600" algn="l" defTabSz="914400" rtl="0" eaLnBrk="1" latinLnBrk="0" hangingPunct="1">
         <a:lnSpc>
-          <a:spcPct val="85000"/>
+          <a:spcPct val="90000"/>
         </a:lnSpc>
         <a:spcBef>
-          <a:spcPts val="600"/>
+          <a:spcPts val="500"/>
         </a:spcBef>
-        <a:buFont typeface="Arial" pitchFamily="34" charset="0"/>
-        <a:buChar char=" "/>
+        <a:buFont typeface="Arial" panose="020B0604020202020204" pitchFamily="34" charset="0"/>
+        <a:buChar char="•"/>
         <a:defRPr sz="1800" kern="1200">
           <a:solidFill>
-            <a:schemeClr val="tx1">
-              <a:lumMod val="85000"/>
-              <a:lumOff val="15000"/>
-            </a:schemeClr>
+            <a:schemeClr val="tx1"/>
           </a:solidFill>
           <a:latin typeface="+mn-lt"/>
           <a:ea typeface="+mn-ea"/>
@@ -3418,7 +3003,9 @@
           </a:xfrm>
         </p:spPr>
         <p:txBody>
-          <a:bodyPr/>
+          <a:bodyPr>
+            <a:normAutofit fontScale="90000"/>
+          </a:bodyPr>
           <a:lstStyle/>
           <a:p>
             <a:pPr algn="ctr"/>
@@ -3427,9 +3014,6 @@
                 <a:ln>
                   <a:noFill/>
                 </a:ln>
-                <a:solidFill>
-                  <a:schemeClr val="bg1"/>
-                </a:solidFill>
                 <a:effectLst/>
                 <a:uLnTx/>
                 <a:uFillTx/>
@@ -3443,9 +3027,6 @@
                 <a:ln>
                   <a:noFill/>
                 </a:ln>
-                <a:solidFill>
-                  <a:schemeClr val="bg1"/>
-                </a:solidFill>
                 <a:effectLst/>
                 <a:uLnTx/>
                 <a:uFillTx/>
@@ -3458,9 +3039,6 @@
                 <a:ln>
                   <a:noFill/>
                 </a:ln>
-                <a:solidFill>
-                  <a:schemeClr val="bg1"/>
-                </a:solidFill>
                 <a:effectLst/>
                 <a:uLnTx/>
                 <a:uFillTx/>
@@ -3474,9 +3052,6 @@
                 <a:ln>
                   <a:noFill/>
                 </a:ln>
-                <a:solidFill>
-                  <a:schemeClr val="bg1"/>
-                </a:solidFill>
                 <a:effectLst/>
                 <a:uLnTx/>
                 <a:uFillTx/>
@@ -3490,9 +3065,6 @@
                 <a:ln>
                   <a:noFill/>
                 </a:ln>
-                <a:solidFill>
-                  <a:schemeClr val="bg1"/>
-                </a:solidFill>
                 <a:effectLst/>
                 <a:uLnTx/>
                 <a:uFillTx/>
@@ -3506,9 +3078,6 @@
                 <a:ln>
                   <a:noFill/>
                 </a:ln>
-                <a:solidFill>
-                  <a:schemeClr val="bg1"/>
-                </a:solidFill>
                 <a:effectLst/>
                 <a:uLnTx/>
                 <a:uFillTx/>
@@ -3521,9 +3090,6 @@
                 <a:ln>
                   <a:noFill/>
                 </a:ln>
-                <a:solidFill>
-                  <a:schemeClr val="bg1"/>
-                </a:solidFill>
                 <a:effectLst/>
                 <a:uLnTx/>
                 <a:uFillTx/>
@@ -3537,9 +3103,6 @@
                 <a:ln>
                   <a:noFill/>
                 </a:ln>
-                <a:solidFill>
-                  <a:schemeClr val="bg1"/>
-                </a:solidFill>
                 <a:effectLst/>
                 <a:uLnTx/>
                 <a:uFillTx/>
@@ -3552,9 +3115,6 @@
                 <a:ln>
                   <a:noFill/>
                 </a:ln>
-                <a:solidFill>
-                  <a:schemeClr val="bg1"/>
-                </a:solidFill>
                 <a:effectLst/>
                 <a:uLnTx/>
                 <a:uFillTx/>
@@ -3568,9 +3128,6 @@
                 <a:ln>
                   <a:noFill/>
                 </a:ln>
-                <a:solidFill>
-                  <a:schemeClr val="bg1"/>
-                </a:solidFill>
                 <a:effectLst/>
                 <a:uLnTx/>
                 <a:uFillTx/>
@@ -3583,9 +3140,6 @@
                 <a:ln>
                   <a:noFill/>
                 </a:ln>
-                <a:solidFill>
-                  <a:schemeClr val="bg1"/>
-                </a:solidFill>
                 <a:effectLst/>
                 <a:uLnTx/>
                 <a:uFillTx/>
@@ -3595,9 +3149,6 @@
             </a:br>
             <a:r>
               <a:rPr lang="ru-RU" sz="2800" b="1" spc="-1" dirty="0">
-                <a:solidFill>
-                  <a:srgbClr val="0070C0"/>
-                </a:solidFill>
                 <a:ea typeface="DejaVu Sans"/>
               </a:rPr>
               <a:t>РАЗРАБОТКА ВЕБ-ПРИЛОЖЕНИЙ</a:t>
@@ -3607,9 +3158,6 @@
                 <a:ln>
                   <a:noFill/>
                 </a:ln>
-                <a:solidFill>
-                  <a:schemeClr val="bg1"/>
-                </a:solidFill>
                 <a:effectLst/>
                 <a:uLnTx/>
                 <a:uFillTx/>
@@ -3622,9 +3170,6 @@
                 <a:ln>
                   <a:noFill/>
                 </a:ln>
-                <a:solidFill>
-                  <a:schemeClr val="bg1"/>
-                </a:solidFill>
                 <a:effectLst/>
                 <a:uLnTx/>
                 <a:uFillTx/>
@@ -3637,9 +3182,6 @@
                 <a:ln>
                   <a:noFill/>
                 </a:ln>
-                <a:solidFill>
-                  <a:schemeClr val="bg1"/>
-                </a:solidFill>
                 <a:effectLst/>
                 <a:uLnTx/>
                 <a:uFillTx/>
@@ -3650,9 +3192,6 @@
             </a:r>
             <a:r>
               <a:rPr lang="en-US" sz="2800" b="1" spc="-1" dirty="0">
-                <a:solidFill>
-                  <a:schemeClr val="bg1"/>
-                </a:solidFill>
                 <a:ea typeface="DejaVu Sans"/>
               </a:rPr>
               <a:t>4</a:t>
@@ -3662,9 +3201,6 @@
                 <a:ln>
                   <a:noFill/>
                 </a:ln>
-                <a:solidFill>
-                  <a:schemeClr val="bg1"/>
-                </a:solidFill>
                 <a:effectLst/>
                 <a:uLnTx/>
                 <a:uFillTx/>
@@ -3677,9 +3213,6 @@
                 <a:ln>
                   <a:noFill/>
                 </a:ln>
-                <a:solidFill>
-                  <a:schemeClr val="bg1"/>
-                </a:solidFill>
                 <a:effectLst/>
                 <a:uLnTx/>
                 <a:uFillTx/>
@@ -3690,18 +3223,11 @@
             </a:r>
             <a:r>
               <a:rPr lang="en-US" sz="2800" b="1" spc="-1" dirty="0">
-                <a:solidFill>
-                  <a:schemeClr val="bg1"/>
-                </a:solidFill>
                 <a:ea typeface="DejaVu Sans"/>
               </a:rPr>
               <a:t>.</a:t>
             </a:r>
-            <a:endParaRPr lang="ru-RU" sz="11500" b="1" dirty="0">
-              <a:solidFill>
-                <a:schemeClr val="bg1"/>
-              </a:solidFill>
-            </a:endParaRPr>
+            <a:endParaRPr lang="ru-RU" sz="11500" b="1" dirty="0"/>
           </a:p>
         </p:txBody>
       </p:sp>
@@ -3729,7 +3255,7 @@
         </p:spPr>
         <p:txBody>
           <a:bodyPr>
-            <a:normAutofit fontScale="77500" lnSpcReduction="20000"/>
+            <a:normAutofit fontScale="92500" lnSpcReduction="10000"/>
           </a:bodyPr>
           <a:lstStyle/>
           <a:p>
@@ -3742,9 +3268,10 @@
           <a:p>
             <a:pPr algn="r"/>
             <a:r>
-              <a:rPr lang="ru-RU" dirty="0"/>
-              <a:t>Лыков Артем</a:t>
-            </a:r>
+              <a:rPr lang="ru-RU"/>
+              <a:t>Давков Ярослав</a:t>
+            </a:r>
+            <a:endParaRPr lang="ru-RU" dirty="0"/>
           </a:p>
           <a:p>
             <a:pPr algn="r"/>
@@ -4689,7 +4216,7 @@
         </p:spPr>
         <p:txBody>
           <a:bodyPr>
-            <a:normAutofit fontScale="92500" lnSpcReduction="20000"/>
+            <a:normAutofit fontScale="70000" lnSpcReduction="20000"/>
           </a:bodyPr>
           <a:lstStyle/>
           <a:p>
@@ -5068,7 +4595,7 @@
         </p:spPr>
         <p:txBody>
           <a:bodyPr>
-            <a:normAutofit fontScale="92500" lnSpcReduction="20000"/>
+            <a:normAutofit fontScale="70000" lnSpcReduction="20000"/>
           </a:bodyPr>
           <a:lstStyle/>
           <a:p>
@@ -5447,7 +4974,7 @@
         </p:spPr>
         <p:txBody>
           <a:bodyPr>
-            <a:normAutofit fontScale="85000" lnSpcReduction="20000"/>
+            <a:normAutofit fontScale="62500" lnSpcReduction="20000"/>
           </a:bodyPr>
           <a:lstStyle/>
           <a:p>
@@ -5883,7 +5410,7 @@
         </p:spPr>
         <p:txBody>
           <a:bodyPr>
-            <a:normAutofit fontScale="70000" lnSpcReduction="20000"/>
+            <a:normAutofit fontScale="62500" lnSpcReduction="20000"/>
           </a:bodyPr>
           <a:lstStyle/>
           <a:p>
@@ -6107,7 +5634,7 @@
         </p:spPr>
         <p:txBody>
           <a:bodyPr>
-            <a:normAutofit fontScale="70000" lnSpcReduction="20000"/>
+            <a:normAutofit fontScale="62500" lnSpcReduction="20000"/>
           </a:bodyPr>
           <a:lstStyle/>
           <a:p>
@@ -6379,7 +5906,7 @@
         </p:spPr>
         <p:txBody>
           <a:bodyPr>
-            <a:normAutofit fontScale="92500" lnSpcReduction="10000"/>
+            <a:normAutofit fontScale="77500" lnSpcReduction="20000"/>
           </a:bodyPr>
           <a:lstStyle/>
           <a:p>
@@ -6458,9 +5985,9 @@
 </file>
 
 <file path=ppt/theme/theme1.xml><?xml version="1.0" encoding="utf-8"?>
-<a:theme xmlns:a="http://schemas.openxmlformats.org/drawingml/2006/main" name="Метрополия">
+<a:theme xmlns:a="http://schemas.openxmlformats.org/drawingml/2006/main" name="Тема Office 2013–2022">
   <a:themeElements>
-    <a:clrScheme name="Обычная">
+    <a:clrScheme name="Тема Office 2013–2022">
       <a:dk1>
         <a:sysClr val="windowText" lastClr="000000"/>
       </a:dk1>
@@ -6468,44 +5995,44 @@
         <a:sysClr val="window" lastClr="FFFFFF"/>
       </a:lt1>
       <a:dk2>
-        <a:srgbClr val="775F55"/>
+        <a:srgbClr val="44546A"/>
       </a:dk2>
       <a:lt2>
-        <a:srgbClr val="EBDDC3"/>
+        <a:srgbClr val="E7E6E6"/>
       </a:lt2>
       <a:accent1>
-        <a:srgbClr val="94B6D2"/>
+        <a:srgbClr val="4472C4"/>
       </a:accent1>
       <a:accent2>
-        <a:srgbClr val="DD8047"/>
+        <a:srgbClr val="ED7D31"/>
       </a:accent2>
       <a:accent3>
-        <a:srgbClr val="A5AB81"/>
+        <a:srgbClr val="A5A5A5"/>
       </a:accent3>
       <a:accent4>
-        <a:srgbClr val="D8B25C"/>
+        <a:srgbClr val="FFC000"/>
       </a:accent4>
       <a:accent5>
-        <a:srgbClr val="7BA79D"/>
+        <a:srgbClr val="5B9BD5"/>
       </a:accent5>
       <a:accent6>
-        <a:srgbClr val="968C8C"/>
+        <a:srgbClr val="70AD47"/>
       </a:accent6>
       <a:hlink>
-        <a:srgbClr val="F7B615"/>
+        <a:srgbClr val="0563C1"/>
       </a:hlink>
       <a:folHlink>
-        <a:srgbClr val="704404"/>
+        <a:srgbClr val="954F72"/>
       </a:folHlink>
     </a:clrScheme>
-    <a:fontScheme name="Метрополия">
+    <a:fontScheme name="Тема Office 2013–2022">
       <a:majorFont>
         <a:latin typeface="Calibri Light" panose="020F0302020204030204"/>
         <a:ea typeface=""/>
         <a:cs typeface=""/>
-        <a:font script="Jpan" typeface="ＭＳ Ｐゴシック"/>
+        <a:font script="Jpan" typeface="游ゴシック Light"/>
         <a:font script="Hang" typeface="맑은 고딕"/>
-        <a:font script="Hans" typeface="宋体"/>
+        <a:font script="Hans" typeface="等线 Light"/>
         <a:font script="Hant" typeface="新細明體"/>
         <a:font script="Arab" typeface="Times New Roman"/>
         <a:font script="Hebr" typeface="Times New Roman"/>
@@ -6535,20 +6062,20 @@
         <a:font script="Geor" typeface="Sylfaen"/>
       </a:majorFont>
       <a:minorFont>
-        <a:latin typeface="Calibri Light" panose="020F0302020204030204"/>
+        <a:latin typeface="Calibri" panose="020F0502020204030204"/>
         <a:ea typeface=""/>
         <a:cs typeface=""/>
-        <a:font script="Jpan" typeface="ＭＳ Ｐゴシック"/>
+        <a:font script="Jpan" typeface="游ゴシック"/>
         <a:font script="Hang" typeface="맑은 고딕"/>
-        <a:font script="Hans" typeface="宋体"/>
+        <a:font script="Hans" typeface="等线"/>
         <a:font script="Hant" typeface="新細明體"/>
-        <a:font script="Arab" typeface="Times New Roman"/>
-        <a:font script="Hebr" typeface="Times New Roman"/>
-        <a:font script="Thai" typeface="Angsana New"/>
+        <a:font script="Arab" typeface="Arial"/>
+        <a:font script="Hebr" typeface="Arial"/>
+        <a:font script="Thai" typeface="Cordia New"/>
         <a:font script="Ethi" typeface="Nyala"/>
         <a:font script="Beng" typeface="Vrinda"/>
         <a:font script="Gujr" typeface="Shruti"/>
-        <a:font script="Khmr" typeface="MoolBoran"/>
+        <a:font script="Khmr" typeface="DaunPenh"/>
         <a:font script="Knda" typeface="Tunga"/>
         <a:font script="Guru" typeface="Raavi"/>
         <a:font script="Cans" typeface="Euphemia"/>
@@ -6565,12 +6092,12 @@
         <a:font script="Laoo" typeface="DokChampa"/>
         <a:font script="Sinh" typeface="Iskoola Pota"/>
         <a:font script="Mong" typeface="Mongolian Baiti"/>
-        <a:font script="Viet" typeface="Times New Roman"/>
+        <a:font script="Viet" typeface="Arial"/>
         <a:font script="Uigh" typeface="Microsoft Uighur"/>
         <a:font script="Geor" typeface="Sylfaen"/>
       </a:minorFont>
     </a:fontScheme>
-    <a:fmtScheme name="Метрополия">
+    <a:fmtScheme name="Тема Office 2013–2022">
       <a:fillStyleLst>
         <a:solidFill>
           <a:schemeClr val="phClr"/>
@@ -6579,73 +6106,76 @@
           <a:gsLst>
             <a:gs pos="0">
               <a:schemeClr val="phClr">
-                <a:tint val="70000"/>
-                <a:satMod val="100000"/>
                 <a:lumMod val="110000"/>
+                <a:satMod val="105000"/>
+                <a:tint val="67000"/>
               </a:schemeClr>
             </a:gs>
             <a:gs pos="50000">
               <a:schemeClr val="phClr">
-                <a:tint val="75000"/>
-                <a:satMod val="101000"/>
                 <a:lumMod val="105000"/>
+                <a:satMod val="103000"/>
+                <a:tint val="73000"/>
               </a:schemeClr>
             </a:gs>
             <a:gs pos="100000">
               <a:schemeClr val="phClr">
-                <a:tint val="82000"/>
-                <a:satMod val="104000"/>
                 <a:lumMod val="105000"/>
+                <a:satMod val="109000"/>
+                <a:tint val="81000"/>
               </a:schemeClr>
             </a:gs>
           </a:gsLst>
-          <a:lin ang="2700000" scaled="0"/>
+          <a:lin ang="5400000" scaled="0"/>
         </a:gradFill>
         <a:gradFill rotWithShape="1">
           <a:gsLst>
             <a:gs pos="0">
               <a:schemeClr val="phClr">
-                <a:tint val="97000"/>
-                <a:satMod val="100000"/>
+                <a:satMod val="103000"/>
                 <a:lumMod val="102000"/>
+                <a:tint val="94000"/>
               </a:schemeClr>
             </a:gs>
             <a:gs pos="50000">
               <a:schemeClr val="phClr">
+                <a:satMod val="110000"/>
+                <a:lumMod val="100000"/>
                 <a:shade val="100000"/>
-                <a:satMod val="100000"/>
-                <a:lumMod val="100000"/>
               </a:schemeClr>
             </a:gs>
             <a:gs pos="100000">
               <a:schemeClr val="phClr">
-                <a:shade val="80000"/>
-                <a:satMod val="100000"/>
                 <a:lumMod val="99000"/>
+                <a:satMod val="120000"/>
+                <a:shade val="78000"/>
               </a:schemeClr>
             </a:gs>
           </a:gsLst>
-          <a:lin ang="2700000" scaled="0"/>
+          <a:lin ang="5400000" scaled="0"/>
         </a:gradFill>
       </a:fillStyleLst>
       <a:lnStyleLst>
-        <a:ln w="9525" cap="flat" cmpd="sng" algn="ctr">
+        <a:ln w="6350" cap="flat" cmpd="sng" algn="ctr">
           <a:solidFill>
             <a:schemeClr val="phClr"/>
           </a:solidFill>
           <a:prstDash val="solid"/>
+          <a:miter lim="800000"/>
         </a:ln>
         <a:ln w="12700" cap="flat" cmpd="sng" algn="ctr">
           <a:solidFill>
             <a:schemeClr val="phClr"/>
           </a:solidFill>
           <a:prstDash val="solid"/>
+          <a:miter lim="800000"/>
         </a:ln>
         <a:ln w="19050" cap="flat" cmpd="sng" algn="ctr">
           <a:solidFill>
             <a:schemeClr val="phClr"/>
           </a:solidFill>
           <a:prstDash val="solid"/>
+          <a:miter lim="800000"/>
         </a:ln>
       </a:lnStyleLst>
       <a:effectStyleLst>
@@ -6675,12 +6205,33 @@
             <a:satMod val="170000"/>
           </a:schemeClr>
         </a:solidFill>
-        <a:solidFill>
-          <a:schemeClr val="phClr">
-            <a:shade val="95000"/>
-            <a:satMod val="170000"/>
-          </a:schemeClr>
-        </a:solidFill>
+        <a:gradFill rotWithShape="1">
+          <a:gsLst>
+            <a:gs pos="0">
+              <a:schemeClr val="phClr">
+                <a:tint val="93000"/>
+                <a:satMod val="150000"/>
+                <a:shade val="98000"/>
+                <a:lumMod val="102000"/>
+              </a:schemeClr>
+            </a:gs>
+            <a:gs pos="50000">
+              <a:schemeClr val="phClr">
+                <a:tint val="98000"/>
+                <a:satMod val="130000"/>
+                <a:shade val="90000"/>
+                <a:lumMod val="103000"/>
+              </a:schemeClr>
+            </a:gs>
+            <a:gs pos="100000">
+              <a:schemeClr val="phClr">
+                <a:shade val="63000"/>
+                <a:satMod val="120000"/>
+              </a:schemeClr>
+            </a:gs>
+          </a:gsLst>
+          <a:lin ang="5400000" scaled="0"/>
+        </a:gradFill>
       </a:bgFillStyleLst>
     </a:fmtScheme>
   </a:themeElements>
@@ -6688,7 +6239,7 @@
   <a:extraClrSchemeLst/>
   <a:extLst>
     <a:ext uri="{05A4C25C-085E-4340-85A3-A5531E510DB2}">
-      <thm15:themeFamily xmlns:thm15="http://schemas.microsoft.com/office/thememl/2012/main" name="Metropolitan" id="{4C5440D6-04D2-4954-96CF-F251137069B2}" vid="{3A8A2BB7-7C5E-4EB2-B1F1-CFFF0F57E773}"/>
+      <thm15:themeFamily xmlns:thm15="http://schemas.microsoft.com/office/thememl/2012/main" name="Office 2013 - 2022 Theme" id="{62F939B6-93AF-4DB8-9C6B-D6C7DFDC589F}" vid="{4A3C46E8-61CC-4603-A589-7422A47A8E4A}"/>
     </a:ext>
   </a:extLst>
 </a:theme>
